--- a/doc/Pilar.pptx
+++ b/doc/Pilar.pptx
@@ -291,7 +291,7 @@
           <a:p>
             <a:fld id="{6425B47B-390B-C241-A7A7-112FF814C3D3}" type="datetimeFigureOut">
               <a:rPr lang="en-US" smtClean="0"/>
-              <a:t>10/3/15</a:t>
+              <a:t>10/5/15</a:t>
             </a:fld>
             <a:endParaRPr lang="en-US"/>
           </a:p>
@@ -461,7 +461,7 @@
           <a:p>
             <a:fld id="{6425B47B-390B-C241-A7A7-112FF814C3D3}" type="datetimeFigureOut">
               <a:rPr lang="en-US" smtClean="0"/>
-              <a:t>10/3/15</a:t>
+              <a:t>10/5/15</a:t>
             </a:fld>
             <a:endParaRPr lang="en-US"/>
           </a:p>
@@ -641,7 +641,7 @@
           <a:p>
             <a:fld id="{6425B47B-390B-C241-A7A7-112FF814C3D3}" type="datetimeFigureOut">
               <a:rPr lang="en-US" smtClean="0"/>
-              <a:t>10/3/15</a:t>
+              <a:t>10/5/15</a:t>
             </a:fld>
             <a:endParaRPr lang="en-US"/>
           </a:p>
@@ -811,7 +811,7 @@
           <a:p>
             <a:fld id="{6425B47B-390B-C241-A7A7-112FF814C3D3}" type="datetimeFigureOut">
               <a:rPr lang="en-US" smtClean="0"/>
-              <a:t>10/3/15</a:t>
+              <a:t>10/5/15</a:t>
             </a:fld>
             <a:endParaRPr lang="en-US"/>
           </a:p>
@@ -1057,7 +1057,7 @@
           <a:p>
             <a:fld id="{6425B47B-390B-C241-A7A7-112FF814C3D3}" type="datetimeFigureOut">
               <a:rPr lang="en-US" smtClean="0"/>
-              <a:t>10/3/15</a:t>
+              <a:t>10/5/15</a:t>
             </a:fld>
             <a:endParaRPr lang="en-US"/>
           </a:p>
@@ -1345,7 +1345,7 @@
           <a:p>
             <a:fld id="{6425B47B-390B-C241-A7A7-112FF814C3D3}" type="datetimeFigureOut">
               <a:rPr lang="en-US" smtClean="0"/>
-              <a:t>10/3/15</a:t>
+              <a:t>10/5/15</a:t>
             </a:fld>
             <a:endParaRPr lang="en-US"/>
           </a:p>
@@ -1767,7 +1767,7 @@
           <a:p>
             <a:fld id="{6425B47B-390B-C241-A7A7-112FF814C3D3}" type="datetimeFigureOut">
               <a:rPr lang="en-US" smtClean="0"/>
-              <a:t>10/3/15</a:t>
+              <a:t>10/5/15</a:t>
             </a:fld>
             <a:endParaRPr lang="en-US"/>
           </a:p>
@@ -1885,7 +1885,7 @@
           <a:p>
             <a:fld id="{6425B47B-390B-C241-A7A7-112FF814C3D3}" type="datetimeFigureOut">
               <a:rPr lang="en-US" smtClean="0"/>
-              <a:t>10/3/15</a:t>
+              <a:t>10/5/15</a:t>
             </a:fld>
             <a:endParaRPr lang="en-US"/>
           </a:p>
@@ -1980,7 +1980,7 @@
           <a:p>
             <a:fld id="{6425B47B-390B-C241-A7A7-112FF814C3D3}" type="datetimeFigureOut">
               <a:rPr lang="en-US" smtClean="0"/>
-              <a:t>10/3/15</a:t>
+              <a:t>10/5/15</a:t>
             </a:fld>
             <a:endParaRPr lang="en-US"/>
           </a:p>
@@ -2257,7 +2257,7 @@
           <a:p>
             <a:fld id="{6425B47B-390B-C241-A7A7-112FF814C3D3}" type="datetimeFigureOut">
               <a:rPr lang="en-US" smtClean="0"/>
-              <a:t>10/3/15</a:t>
+              <a:t>10/5/15</a:t>
             </a:fld>
             <a:endParaRPr lang="en-US"/>
           </a:p>
@@ -2510,7 +2510,7 @@
           <a:p>
             <a:fld id="{6425B47B-390B-C241-A7A7-112FF814C3D3}" type="datetimeFigureOut">
               <a:rPr lang="en-US" smtClean="0"/>
-              <a:t>10/3/15</a:t>
+              <a:t>10/5/15</a:t>
             </a:fld>
             <a:endParaRPr lang="en-US"/>
           </a:p>
@@ -2723,7 +2723,7 @@
           <a:p>
             <a:fld id="{6425B47B-390B-C241-A7A7-112FF814C3D3}" type="datetimeFigureOut">
               <a:rPr lang="en-US" smtClean="0"/>
-              <a:t>10/3/15</a:t>
+              <a:t>10/5/15</a:t>
             </a:fld>
             <a:endParaRPr lang="en-US"/>
           </a:p>
@@ -3223,10 +3223,7 @@
           </a:p>
           <a:p>
             <a:pPr algn="ctr"/>
-            <a:r>
-              <a:rPr lang="en-US" dirty="0"/>
-              <a:t/>
-            </a:r>
+            <a:endParaRPr lang="en-US" dirty="0" smtClean="0"/>
           </a:p>
         </p:txBody>
       </p:sp>
@@ -3315,10 +3312,7 @@
           </a:p>
           <a:p>
             <a:pPr algn="ctr"/>
-            <a:r>
-              <a:rPr lang="en-US" dirty="0"/>
-              <a:t/>
-            </a:r>
+            <a:endParaRPr lang="en-US" dirty="0" smtClean="0"/>
           </a:p>
         </p:txBody>
       </p:sp>
@@ -3361,10 +3355,7 @@
           </a:p>
           <a:p>
             <a:pPr algn="ctr"/>
-            <a:r>
-              <a:rPr lang="en-US" dirty="0"/>
-              <a:t/>
-            </a:r>
+            <a:endParaRPr lang="en-US" dirty="0" smtClean="0"/>
           </a:p>
         </p:txBody>
       </p:sp>
@@ -4335,7 +4326,6 @@
               <a:rPr lang="en-US" sz="1100" dirty="0" smtClean="0"/>
               <a:t>  ret</a:t>
             </a:r>
-            <a:endParaRPr lang="en-US" sz="1100" dirty="0" smtClean="0"/>
           </a:p>
         </p:txBody>
       </p:sp>
@@ -4454,10 +4444,7 @@
           </a:p>
           <a:p>
             <a:pPr algn="ctr"/>
-            <a:r>
-              <a:rPr lang="en-US" dirty="0"/>
-              <a:t/>
-            </a:r>
+            <a:endParaRPr lang="en-US" dirty="0" smtClean="0"/>
           </a:p>
         </p:txBody>
       </p:sp>
@@ -4543,10 +4530,7 @@
           </a:p>
           <a:p>
             <a:pPr algn="ctr"/>
-            <a:r>
-              <a:rPr lang="en-US" dirty="0"/>
-              <a:t/>
-            </a:r>
+            <a:endParaRPr lang="en-US" dirty="0" smtClean="0"/>
           </a:p>
         </p:txBody>
       </p:sp>
@@ -4589,10 +4573,7 @@
           </a:p>
           <a:p>
             <a:pPr algn="ctr"/>
-            <a:r>
-              <a:rPr lang="en-US" dirty="0"/>
-              <a:t/>
-            </a:r>
+            <a:endParaRPr lang="en-US" dirty="0" smtClean="0"/>
           </a:p>
         </p:txBody>
       </p:sp>

--- a/doc/Pilar.pptx
+++ b/doc/Pilar.pptx
@@ -5,7 +5,7 @@
     <p:sldMasterId id="2147483648" r:id="rId1"/>
   </p:sldMasterIdLst>
   <p:notesMasterIdLst>
-    <p:notesMasterId r:id="rId15"/>
+    <p:notesMasterId r:id="rId17"/>
   </p:notesMasterIdLst>
   <p:sldIdLst>
     <p:sldId id="256" r:id="rId2"/>
@@ -19,8 +19,10 @@
     <p:sldId id="260" r:id="rId10"/>
     <p:sldId id="269" r:id="rId11"/>
     <p:sldId id="270" r:id="rId12"/>
-    <p:sldId id="261" r:id="rId13"/>
-    <p:sldId id="257" r:id="rId14"/>
+    <p:sldId id="271" r:id="rId13"/>
+    <p:sldId id="272" r:id="rId14"/>
+    <p:sldId id="261" r:id="rId15"/>
+    <p:sldId id="257" r:id="rId16"/>
   </p:sldIdLst>
   <p:sldSz cx="9144000" cy="6858000" type="screen4x3"/>
   <p:notesSz cx="6858000" cy="9144000"/>
@@ -547,6 +549,90 @@
     <p:extLst>
       <p:ext uri="{BB962C8B-B14F-4D97-AF65-F5344CB8AC3E}">
         <p14:creationId xmlns:p14="http://schemas.microsoft.com/office/powerpoint/2010/main" val="934654383"/>
+      </p:ext>
+    </p:extLst>
+  </p:cSld>
+  <p:clrMapOvr>
+    <a:masterClrMapping/>
+  </p:clrMapOvr>
+</p:notes>
+</file>
+
+<file path=ppt/notesSlides/notesSlide2.xml><?xml version="1.0" encoding="utf-8"?>
+<p:notes xmlns:a="http://schemas.openxmlformats.org/drawingml/2006/main" xmlns:r="http://schemas.openxmlformats.org/officeDocument/2006/relationships" xmlns:p="http://schemas.openxmlformats.org/presentationml/2006/main">
+  <p:cSld>
+    <p:spTree>
+      <p:nvGrpSpPr>
+        <p:cNvPr id="1" name=""/>
+        <p:cNvGrpSpPr/>
+        <p:nvPr/>
+      </p:nvGrpSpPr>
+      <p:grpSpPr>
+        <a:xfrm>
+          <a:off x="0" y="0"/>
+          <a:ext cx="0" cy="0"/>
+          <a:chOff x="0" y="0"/>
+          <a:chExt cx="0" cy="0"/>
+        </a:xfrm>
+      </p:grpSpPr>
+      <p:sp>
+        <p:nvSpPr>
+          <p:cNvPr id="2" name="Slide Image Placeholder 1"/>
+          <p:cNvSpPr>
+            <a:spLocks noGrp="1" noRot="1" noChangeAspect="1"/>
+          </p:cNvSpPr>
+          <p:nvPr>
+            <p:ph type="sldImg"/>
+          </p:nvPr>
+        </p:nvSpPr>
+        <p:spPr/>
+      </p:sp>
+      <p:sp>
+        <p:nvSpPr>
+          <p:cNvPr id="3" name="Notes Placeholder 2"/>
+          <p:cNvSpPr>
+            <a:spLocks noGrp="1"/>
+          </p:cNvSpPr>
+          <p:nvPr>
+            <p:ph type="body" idx="1"/>
+          </p:nvPr>
+        </p:nvSpPr>
+        <p:spPr/>
+        <p:txBody>
+          <a:bodyPr/>
+          <a:lstStyle/>
+          <a:p>
+            <a:endParaRPr lang="en-US" dirty="0"/>
+          </a:p>
+        </p:txBody>
+      </p:sp>
+      <p:sp>
+        <p:nvSpPr>
+          <p:cNvPr id="4" name="Slide Number Placeholder 3"/>
+          <p:cNvSpPr>
+            <a:spLocks noGrp="1"/>
+          </p:cNvSpPr>
+          <p:nvPr>
+            <p:ph type="sldNum" sz="quarter" idx="10"/>
+          </p:nvPr>
+        </p:nvSpPr>
+        <p:spPr/>
+        <p:txBody>
+          <a:bodyPr/>
+          <a:lstStyle/>
+          <a:p>
+            <a:fld id="{3132090B-607A-0247-A511-90DAECC7092B}" type="slidenum">
+              <a:rPr lang="en-US" smtClean="0"/>
+              <a:t>10</a:t>
+            </a:fld>
+            <a:endParaRPr lang="en-US"/>
+          </a:p>
+        </p:txBody>
+      </p:sp>
+    </p:spTree>
+    <p:extLst>
+      <p:ext uri="{BB962C8B-B14F-4D97-AF65-F5344CB8AC3E}">
+        <p14:creationId xmlns:p14="http://schemas.microsoft.com/office/powerpoint/2010/main" val="3002079920"/>
       </p:ext>
     </p:extLst>
   </p:cSld>
@@ -3561,7 +3647,7 @@
           <a:p>
             <a:r>
               <a:rPr lang="en-US" dirty="0" err="1" smtClean="0"/>
-              <a:t>Pilar</a:t>
+              <a:t>P’lar</a:t>
             </a:r>
             <a:r>
               <a:rPr lang="en-US" dirty="0" smtClean="0"/>
@@ -3647,7 +3733,7 @@
           <a:p>
             <a:r>
               <a:rPr lang="en-US" dirty="0" smtClean="0"/>
-              <a:t>Intermediate Language</a:t>
+              <a:t>Intermediate Language (IL)</a:t>
             </a:r>
             <a:endParaRPr lang="en-US" dirty="0"/>
           </a:p>
@@ -3922,7 +4008,7 @@
                 <a:latin typeface="Andale Mono"/>
                 <a:cs typeface="Andale Mono"/>
               </a:rPr>
-              <a:t>         ;</a:t>
+              <a:t>               ;</a:t>
             </a:r>
             <a:r>
               <a:rPr lang="en-US" dirty="0">
@@ -3990,7 +4076,7 @@
                 <a:latin typeface="Andale Mono"/>
                 <a:cs typeface="Andale Mono"/>
               </a:rPr>
-              <a:t>          ;</a:t>
+              <a:t>                ;</a:t>
             </a:r>
             <a:r>
               <a:rPr lang="en-US" dirty="0">
@@ -4147,93 +4233,121 @@
               <a:t>] ...) &lt;</a:t>
             </a:r>
             <a:r>
+              <a:rPr lang="en-US" dirty="0" smtClean="0">
+                <a:latin typeface="Andale Mono"/>
+                <a:cs typeface="Andale Mono"/>
+              </a:rPr>
+              <a:t>E&gt;</a:t>
+            </a:r>
+            <a:r>
+              <a:rPr lang="en-US" dirty="0">
+                <a:latin typeface="Andale Mono"/>
+                <a:cs typeface="Andale Mono"/>
+              </a:rPr>
+              <a:t>)</a:t>
+            </a:r>
+          </a:p>
+          <a:p>
+            <a:pPr marL="0" indent="0">
+              <a:buNone/>
+            </a:pPr>
+            <a:r>
+              <a:rPr lang="en-US" dirty="0" smtClean="0">
+                <a:latin typeface="Andale Mono"/>
+                <a:cs typeface="Andale Mono"/>
+              </a:rPr>
+              <a:t>       |  </a:t>
+            </a:r>
+            <a:r>
+              <a:rPr lang="en-US" dirty="0">
+                <a:latin typeface="Andale Mono"/>
+                <a:cs typeface="Andale Mono"/>
+              </a:rPr>
+              <a:t>(</a:t>
+            </a:r>
+            <a:r>
               <a:rPr lang="en-US" dirty="0" err="1">
                 <a:latin typeface="Andale Mono"/>
                 <a:cs typeface="Andale Mono"/>
               </a:rPr>
-              <a:t>Expr</a:t>
+              <a:t>letrec</a:t>
             </a:r>
             <a:r>
               <a:rPr lang="en-US" dirty="0">
                 <a:latin typeface="Andale Mono"/>
                 <a:cs typeface="Andale Mono"/>
               </a:rPr>
-              <a:t>&gt;)</a:t>
-            </a:r>
-          </a:p>
-          <a:p>
-            <a:pPr marL="0" indent="0">
-              <a:buNone/>
-            </a:pPr>
+              <a:t> ([</a:t>
+            </a:r>
             <a:r>
               <a:rPr lang="en-US" dirty="0" smtClean="0">
                 <a:latin typeface="Andale Mono"/>
                 <a:cs typeface="Andale Mono"/>
               </a:rPr>
-              <a:t>       |  </a:t>
+              <a:t>&lt;</a:t>
             </a:r>
             <a:r>
               <a:rPr lang="en-US" dirty="0">
                 <a:latin typeface="Andale Mono"/>
                 <a:cs typeface="Andale Mono"/>
               </a:rPr>
-              <a:t>(</a:t>
-            </a:r>
-            <a:r>
-              <a:rPr lang="en-US" dirty="0" err="1">
+              <a:t>v</a:t>
+            </a:r>
+            <a:r>
+              <a:rPr lang="en-US" dirty="0" smtClean="0">
                 <a:latin typeface="Andale Mono"/>
                 <a:cs typeface="Andale Mono"/>
               </a:rPr>
-              <a:t>letrec</a:t>
+              <a:t>&gt; </a:t>
             </a:r>
             <a:r>
               <a:rPr lang="en-US" dirty="0">
                 <a:latin typeface="Andale Mono"/>
                 <a:cs typeface="Andale Mono"/>
               </a:rPr>
-              <a:t> ([&lt;</a:t>
-            </a:r>
-            <a:r>
-              <a:rPr lang="en-US" dirty="0" err="1">
+              <a:t>&lt;</a:t>
+            </a:r>
+            <a:r>
+              <a:rPr lang="en-US" dirty="0" smtClean="0">
                 <a:latin typeface="Andale Mono"/>
                 <a:cs typeface="Andale Mono"/>
               </a:rPr>
-              <a:t>Var</a:t>
+              <a:t>E&gt;</a:t>
             </a:r>
             <a:r>
               <a:rPr lang="en-US" dirty="0">
                 <a:latin typeface="Andale Mono"/>
                 <a:cs typeface="Andale Mono"/>
               </a:rPr>
-              <a:t>&gt; &lt;</a:t>
-            </a:r>
-            <a:r>
-              <a:rPr lang="en-US" dirty="0" err="1">
+              <a:t>] ...) &lt;</a:t>
+            </a:r>
+            <a:r>
+              <a:rPr lang="en-US" dirty="0" smtClean="0">
                 <a:latin typeface="Andale Mono"/>
                 <a:cs typeface="Andale Mono"/>
               </a:rPr>
-              <a:t>Expr</a:t>
+              <a:t>E&gt;</a:t>
             </a:r>
             <a:r>
               <a:rPr lang="en-US" dirty="0">
                 <a:latin typeface="Andale Mono"/>
                 <a:cs typeface="Andale Mono"/>
               </a:rPr>
-              <a:t>&gt;] ...) &lt;</a:t>
-            </a:r>
-            <a:r>
-              <a:rPr lang="en-US" dirty="0" err="1">
+              <a:t>)  </a:t>
+            </a:r>
+            <a:r>
+              <a:rPr lang="en-US" dirty="0" smtClean="0">
                 <a:latin typeface="Andale Mono"/>
                 <a:cs typeface="Andale Mono"/>
               </a:rPr>
-              <a:t>Expr</a:t>
+              <a:t>        ;</a:t>
             </a:r>
             <a:r>
               <a:rPr lang="en-US" dirty="0">
                 <a:latin typeface="Andale Mono"/>
                 <a:cs typeface="Andale Mono"/>
               </a:rPr>
-              <a:t>&gt;)  ;; key for mutual recursion</a:t>
+              <a:t>; key for mutual recursion</a:t>
             </a:r>
           </a:p>
           <a:p>
@@ -4296,35 +4410,40 @@
                 <a:latin typeface="Andale Mono"/>
                 <a:cs typeface="Andale Mono"/>
               </a:rPr>
-              <a:t>&lt;</a:t>
+              <a:t>&lt;n&gt; &lt;v&gt;</a:t>
             </a:r>
             <a:r>
               <a:rPr lang="en-US" dirty="0">
                 <a:latin typeface="Andale Mono"/>
                 <a:cs typeface="Andale Mono"/>
               </a:rPr>
-              <a:t>N</a:t>
-            </a:r>
+              <a:t>)</a:t>
+            </a:r>
+          </a:p>
+          <a:p>
+            <a:pPr marL="0" indent="0">
+              <a:buNone/>
+            </a:pPr>
             <a:r>
               <a:rPr lang="en-US" dirty="0" smtClean="0">
                 <a:latin typeface="Andale Mono"/>
                 <a:cs typeface="Andale Mono"/>
               </a:rPr>
-              <a:t>&gt; &lt;</a:t>
+              <a:t>       |  </a:t>
             </a:r>
             <a:r>
               <a:rPr lang="en-US" dirty="0">
                 <a:latin typeface="Andale Mono"/>
                 <a:cs typeface="Andale Mono"/>
               </a:rPr>
-              <a:t>V</a:t>
+              <a:t>(bound </a:t>
             </a:r>
             <a:r>
               <a:rPr lang="en-US" dirty="0" smtClean="0">
                 <a:latin typeface="Andale Mono"/>
                 <a:cs typeface="Andale Mono"/>
               </a:rPr>
-              <a:t>&gt;</a:t>
+              <a:t>&lt;n&gt; &lt;v&gt;</a:t>
             </a:r>
             <a:r>
               <a:rPr lang="en-US" dirty="0">
@@ -4350,68 +4469,21 @@
                 <a:latin typeface="Andale Mono"/>
                 <a:cs typeface="Andale Mono"/>
               </a:rPr>
-              <a:t>(bound </a:t>
+              <a:t>(local &lt;</a:t>
             </a:r>
             <a:r>
               <a:rPr lang="en-US" dirty="0" smtClean="0">
                 <a:latin typeface="Andale Mono"/>
                 <a:cs typeface="Andale Mono"/>
               </a:rPr>
-              <a:t>&lt;</a:t>
+              <a:t>v&gt;</a:t>
             </a:r>
             <a:r>
               <a:rPr lang="en-US" dirty="0">
                 <a:latin typeface="Andale Mono"/>
                 <a:cs typeface="Andale Mono"/>
               </a:rPr>
-              <a:t>N</a:t>
-            </a:r>
-            <a:r>
-              <a:rPr lang="en-US" dirty="0" smtClean="0">
-                <a:latin typeface="Andale Mono"/>
-                <a:cs typeface="Andale Mono"/>
-              </a:rPr>
-              <a:t>&gt; &lt;</a:t>
-            </a:r>
-            <a:r>
-              <a:rPr lang="en-US" dirty="0">
-                <a:latin typeface="Andale Mono"/>
-                <a:cs typeface="Andale Mono"/>
-              </a:rPr>
-              <a:t>V</a:t>
-            </a:r>
-            <a:r>
-              <a:rPr lang="en-US" dirty="0" smtClean="0">
-                <a:latin typeface="Andale Mono"/>
-                <a:cs typeface="Andale Mono"/>
-              </a:rPr>
-              <a:t>&gt;</a:t>
-            </a:r>
-            <a:r>
-              <a:rPr lang="en-US" dirty="0">
-                <a:latin typeface="Andale Mono"/>
-                <a:cs typeface="Andale Mono"/>
-              </a:rPr>
               <a:t>)</a:t>
-            </a:r>
-          </a:p>
-          <a:p>
-            <a:pPr marL="0" indent="0">
-              <a:buNone/>
-            </a:pPr>
-            <a:r>
-              <a:rPr lang="en-US" dirty="0" smtClean="0">
-                <a:latin typeface="Andale Mono"/>
-                <a:cs typeface="Andale Mono"/>
-              </a:rPr>
-              <a:t>       |  </a:t>
-            </a:r>
-            <a:r>
-              <a:rPr lang="en-US" dirty="0">
-                <a:latin typeface="Andale Mono"/>
-                <a:cs typeface="Andale Mono"/>
-              </a:rPr>
-              <a:t>(local &lt;variable&gt;)</a:t>
             </a:r>
           </a:p>
           <a:p>
@@ -4495,7 +4567,7 @@
               <a:t>i</a:t>
             </a:r>
             <a:r>
-              <a:rPr lang="en-US" smtClean="0">
+              <a:rPr lang="en-US" dirty="0" smtClean="0">
                 <a:latin typeface="Andale Mono"/>
                 <a:cs typeface="Andale Mono"/>
               </a:rPr>
@@ -4576,8 +4648,19 @@
                 <a:latin typeface="Andale Mono"/>
                 <a:cs typeface="Andale Mono"/>
               </a:rPr>
-              <a:t>&gt;  symbols other than keywords</a:t>
-            </a:r>
+              <a:t>&gt;  </a:t>
+            </a:r>
+            <a:r>
+              <a:rPr lang="en-US" dirty="0" smtClean="0">
+                <a:latin typeface="Andale Mono"/>
+                <a:cs typeface="Andale Mono"/>
+              </a:rPr>
+              <a:t>variables (symbols that are not &lt;key&gt;)</a:t>
+            </a:r>
+            <a:endParaRPr lang="en-US" dirty="0">
+              <a:latin typeface="Andale Mono"/>
+              <a:cs typeface="Andale Mono"/>
+            </a:endParaRPr>
           </a:p>
           <a:p>
             <a:pPr marL="0" indent="0">
@@ -4597,35 +4680,28 @@
                 <a:latin typeface="Andale Mono"/>
                 <a:cs typeface="Andale Mono"/>
               </a:rPr>
-              <a:t> </a:t>
+              <a:t> &lt;key&gt; </a:t>
             </a:r>
             <a:r>
               <a:rPr lang="en-US" dirty="0">
                 <a:latin typeface="Andale Mono"/>
                 <a:cs typeface="Andale Mono"/>
               </a:rPr>
-              <a:t>&lt;Key</a:t>
+              <a:t>-&gt;  begin | if | closure | let | </a:t>
+            </a:r>
+            <a:r>
+              <a:rPr lang="en-US" dirty="0" err="1" smtClean="0">
+                <a:latin typeface="Andale Mono"/>
+                <a:cs typeface="Andale Mono"/>
+              </a:rPr>
+              <a:t>letrec</a:t>
             </a:r>
             <a:r>
               <a:rPr lang="en-US" dirty="0" smtClean="0">
                 <a:latin typeface="Andale Mono"/>
                 <a:cs typeface="Andale Mono"/>
               </a:rPr>
-              <a:t>&gt; </a:t>
-            </a:r>
-            <a:r>
-              <a:rPr lang="en-US" dirty="0">
-                <a:latin typeface="Andale Mono"/>
-                <a:cs typeface="Andale Mono"/>
-              </a:rPr>
-              <a:t>-&gt;  begin | if | closure | let | </a:t>
-            </a:r>
-            <a:r>
-              <a:rPr lang="en-US" dirty="0" err="1">
-                <a:latin typeface="Andale Mono"/>
-                <a:cs typeface="Andale Mono"/>
-              </a:rPr>
-              <a:t>letrec</a:t>
+              <a:t> | free | bound | local</a:t>
             </a:r>
             <a:endParaRPr lang="en-US" dirty="0">
               <a:latin typeface="Andale Mono"/>
@@ -4679,7 +4755,11 @@
           <a:bodyPr/>
           <a:lstStyle/>
           <a:p>
-            <a:endParaRPr lang="en-US"/>
+            <a:r>
+              <a:rPr lang="en-US" dirty="0" smtClean="0"/>
+              <a:t>Free Variables</a:t>
+            </a:r>
+            <a:endParaRPr lang="en-US" dirty="0"/>
           </a:p>
         </p:txBody>
       </p:sp>
@@ -4698,7 +4778,28 @@
           <a:bodyPr/>
           <a:lstStyle/>
           <a:p>
-            <a:endParaRPr lang="en-US"/>
+            <a:r>
+              <a:rPr lang="en-US" dirty="0" smtClean="0"/>
+              <a:t>Addresses what value to assign to free variables in functions</a:t>
+            </a:r>
+          </a:p>
+          <a:p>
+            <a:r>
+              <a:rPr lang="en-US" dirty="0" smtClean="0"/>
+              <a:t>A variable is used free in a function if it is neither a formal argument nor local to that function</a:t>
+            </a:r>
+          </a:p>
+          <a:p>
+            <a:r>
+              <a:rPr lang="en-US" dirty="0" smtClean="0"/>
+              <a:t>In Scheme, functions correspond to lambda expressions</a:t>
+            </a:r>
+          </a:p>
+          <a:p>
+            <a:endParaRPr lang="en-US" dirty="0" smtClean="0"/>
+          </a:p>
+          <a:p>
+            <a:endParaRPr lang="en-US" dirty="0"/>
           </a:p>
         </p:txBody>
       </p:sp>
@@ -4744,6 +4845,232 @@
         </p:nvSpPr>
         <p:spPr/>
         <p:txBody>
+          <a:bodyPr>
+            <a:normAutofit/>
+          </a:bodyPr>
+          <a:lstStyle/>
+          <a:p>
+            <a:r>
+              <a:rPr lang="en-US" dirty="0" smtClean="0"/>
+              <a:t>Convert Lambda to Closure</a:t>
+            </a:r>
+            <a:endParaRPr lang="en-US" dirty="0"/>
+          </a:p>
+        </p:txBody>
+      </p:sp>
+      <p:sp>
+        <p:nvSpPr>
+          <p:cNvPr id="3" name="Content Placeholder 2"/>
+          <p:cNvSpPr>
+            <a:spLocks noGrp="1"/>
+          </p:cNvSpPr>
+          <p:nvPr>
+            <p:ph idx="1"/>
+          </p:nvPr>
+        </p:nvSpPr>
+        <p:spPr/>
+        <p:txBody>
+          <a:bodyPr>
+            <a:normAutofit/>
+          </a:bodyPr>
+          <a:lstStyle/>
+          <a:p>
+            <a:pPr marL="0" indent="0">
+              <a:buNone/>
+            </a:pPr>
+            <a:r>
+              <a:rPr lang="en-US" dirty="0" smtClean="0"/>
+              <a:t>(let ((x 5))</a:t>
+            </a:r>
+          </a:p>
+          <a:p>
+            <a:pPr marL="0" indent="0">
+              <a:buNone/>
+            </a:pPr>
+            <a:r>
+              <a:rPr lang="en-US" dirty="0"/>
+              <a:t> </a:t>
+            </a:r>
+            <a:r>
+              <a:rPr lang="en-US" dirty="0" smtClean="0"/>
+              <a:t>     (lambda (y) </a:t>
+            </a:r>
+          </a:p>
+          <a:p>
+            <a:pPr marL="0" indent="0">
+              <a:buNone/>
+            </a:pPr>
+            <a:r>
+              <a:rPr lang="en-US" dirty="0"/>
+              <a:t> </a:t>
+            </a:r>
+            <a:r>
+              <a:rPr lang="en-US" dirty="0" smtClean="0"/>
+              <a:t>           (lambda () (+ x y))))</a:t>
+            </a:r>
+            <a:endParaRPr lang="en-US" dirty="0"/>
+          </a:p>
+          <a:p>
+            <a:pPr marL="0" indent="0">
+              <a:buNone/>
+            </a:pPr>
+            <a:r>
+              <a:rPr lang="en-US" dirty="0" smtClean="0"/>
+              <a:t> ==&gt;</a:t>
+            </a:r>
+            <a:endParaRPr lang="en-US" dirty="0"/>
+          </a:p>
+          <a:p>
+            <a:pPr marL="0" indent="0">
+              <a:buNone/>
+            </a:pPr>
+            <a:r>
+              <a:rPr lang="en-US" dirty="0" smtClean="0"/>
+              <a:t>(let ((x 5))</a:t>
+            </a:r>
+          </a:p>
+          <a:p>
+            <a:pPr marL="0" indent="0">
+              <a:buNone/>
+            </a:pPr>
+            <a:r>
+              <a:rPr lang="en-US" dirty="0"/>
+              <a:t> </a:t>
+            </a:r>
+            <a:r>
+              <a:rPr lang="en-US" dirty="0" smtClean="0"/>
+              <a:t>    (closure (y) (x) </a:t>
+            </a:r>
+          </a:p>
+          <a:p>
+            <a:pPr marL="0" indent="0">
+              <a:buNone/>
+            </a:pPr>
+            <a:r>
+              <a:rPr lang="en-US" dirty="0"/>
+              <a:t> </a:t>
+            </a:r>
+            <a:r>
+              <a:rPr lang="en-US" dirty="0" smtClean="0"/>
+              <a:t>            (closure () (x y)(+ x y))</a:t>
+            </a:r>
+          </a:p>
+        </p:txBody>
+      </p:sp>
+    </p:spTree>
+    <p:extLst>
+      <p:ext uri="{BB962C8B-B14F-4D97-AF65-F5344CB8AC3E}">
+        <p14:creationId xmlns:p14="http://schemas.microsoft.com/office/powerpoint/2010/main" val="1069071318"/>
+      </p:ext>
+    </p:extLst>
+  </p:cSld>
+  <p:clrMapOvr>
+    <a:masterClrMapping/>
+  </p:clrMapOvr>
+</p:sld>
+</file>
+
+<file path=ppt/slides/slide13.xml><?xml version="1.0" encoding="utf-8"?>
+<p:sld xmlns:a="http://schemas.openxmlformats.org/drawingml/2006/main" xmlns:r="http://schemas.openxmlformats.org/officeDocument/2006/relationships" xmlns:p="http://schemas.openxmlformats.org/presentationml/2006/main">
+  <p:cSld>
+    <p:spTree>
+      <p:nvGrpSpPr>
+        <p:cNvPr id="1" name=""/>
+        <p:cNvGrpSpPr/>
+        <p:nvPr/>
+      </p:nvGrpSpPr>
+      <p:grpSpPr>
+        <a:xfrm>
+          <a:off x="0" y="0"/>
+          <a:ext cx="0" cy="0"/>
+          <a:chOff x="0" y="0"/>
+          <a:chExt cx="0" cy="0"/>
+        </a:xfrm>
+      </p:grpSpPr>
+      <p:sp>
+        <p:nvSpPr>
+          <p:cNvPr id="2" name="Title 1"/>
+          <p:cNvSpPr>
+            <a:spLocks noGrp="1"/>
+          </p:cNvSpPr>
+          <p:nvPr>
+            <p:ph type="title"/>
+          </p:nvPr>
+        </p:nvSpPr>
+        <p:spPr/>
+        <p:txBody>
+          <a:bodyPr/>
+          <a:lstStyle/>
+          <a:p>
+            <a:r>
+              <a:rPr lang="en-US" dirty="0" smtClean="0"/>
+              <a:t>Compiling Closures</a:t>
+            </a:r>
+            <a:endParaRPr lang="en-US" dirty="0"/>
+          </a:p>
+        </p:txBody>
+      </p:sp>
+      <p:sp>
+        <p:nvSpPr>
+          <p:cNvPr id="3" name="Content Placeholder 2"/>
+          <p:cNvSpPr>
+            <a:spLocks noGrp="1"/>
+          </p:cNvSpPr>
+          <p:nvPr>
+            <p:ph idx="1"/>
+          </p:nvPr>
+        </p:nvSpPr>
+        <p:spPr/>
+        <p:txBody>
+          <a:bodyPr/>
+          <a:lstStyle/>
+          <a:p>
+            <a:endParaRPr lang="en-US"/>
+          </a:p>
+        </p:txBody>
+      </p:sp>
+    </p:spTree>
+    <p:extLst>
+      <p:ext uri="{BB962C8B-B14F-4D97-AF65-F5344CB8AC3E}">
+        <p14:creationId xmlns:p14="http://schemas.microsoft.com/office/powerpoint/2010/main" val="3720307734"/>
+      </p:ext>
+    </p:extLst>
+  </p:cSld>
+  <p:clrMapOvr>
+    <a:masterClrMapping/>
+  </p:clrMapOvr>
+</p:sld>
+</file>
+
+<file path=ppt/slides/slide14.xml><?xml version="1.0" encoding="utf-8"?>
+<p:sld xmlns:a="http://schemas.openxmlformats.org/drawingml/2006/main" xmlns:r="http://schemas.openxmlformats.org/officeDocument/2006/relationships" xmlns:p="http://schemas.openxmlformats.org/presentationml/2006/main">
+  <p:cSld>
+    <p:spTree>
+      <p:nvGrpSpPr>
+        <p:cNvPr id="1" name=""/>
+        <p:cNvGrpSpPr/>
+        <p:nvPr/>
+      </p:nvGrpSpPr>
+      <p:grpSpPr>
+        <a:xfrm>
+          <a:off x="0" y="0"/>
+          <a:ext cx="0" cy="0"/>
+          <a:chOff x="0" y="0"/>
+          <a:chExt cx="0" cy="0"/>
+        </a:xfrm>
+      </p:grpSpPr>
+      <p:sp>
+        <p:nvSpPr>
+          <p:cNvPr id="2" name="Title 1"/>
+          <p:cNvSpPr>
+            <a:spLocks noGrp="1"/>
+          </p:cNvSpPr>
+          <p:nvPr>
+            <p:ph type="title"/>
+          </p:nvPr>
+        </p:nvSpPr>
+        <p:spPr/>
+        <p:txBody>
           <a:bodyPr/>
           <a:lstStyle/>
           <a:p>
@@ -4787,7 +5114,7 @@
 </p:sld>
 </file>
 
-<file path=ppt/slides/slide13.xml><?xml version="1.0" encoding="utf-8"?>
+<file path=ppt/slides/slide15.xml><?xml version="1.0" encoding="utf-8"?>
 <p:sld xmlns:a="http://schemas.openxmlformats.org/drawingml/2006/main" xmlns:r="http://schemas.openxmlformats.org/officeDocument/2006/relationships" xmlns:p="http://schemas.openxmlformats.org/presentationml/2006/main">
   <p:cSld>
     <p:spTree>
@@ -6902,13 +7229,13 @@
           <a:p>
             <a:r>
               <a:rPr lang="en-US" dirty="0" smtClean="0"/>
-              <a:t>Comprehensible compiler implementation</a:t>
+              <a:t>Clean, comprehensible code</a:t>
             </a:r>
           </a:p>
           <a:p>
             <a:r>
               <a:rPr lang="en-US" dirty="0" smtClean="0"/>
-              <a:t>Implement in a reasonable timeframe 3 -5 months of effort</a:t>
+              <a:t>Implementable in 3 -5 months </a:t>
             </a:r>
           </a:p>
           <a:p>
@@ -7001,7 +7328,7 @@
             </a:r>
             <a:r>
               <a:rPr lang="en-US" dirty="0" err="1" smtClean="0"/>
-              <a:t>Ghuloum’s</a:t>
+              <a:t>Ghuloum</a:t>
             </a:r>
             <a:r>
               <a:rPr lang="en-US" dirty="0" smtClean="0"/>
@@ -7011,15 +7338,7 @@
           <a:p>
             <a:r>
               <a:rPr lang="en-US" dirty="0" smtClean="0"/>
-              <a:t>Use a stack based runtime with a heap for </a:t>
-            </a:r>
-            <a:r>
-              <a:rPr lang="en-US" dirty="0" err="1" smtClean="0"/>
-              <a:t>persistant</a:t>
-            </a:r>
-            <a:r>
-              <a:rPr lang="en-US" dirty="0" smtClean="0"/>
-              <a:t> value including closures.</a:t>
+              <a:t>Use a stack based runtime with a heap for persistent value including closures.</a:t>
             </a:r>
           </a:p>
           <a:p>

--- a/doc/Pilar.pptx
+++ b/doc/Pilar.pptx
@@ -212,7 +212,7 @@
           <a:p>
             <a:fld id="{5607465C-914C-044A-8711-438AB6BFCD99}" type="datetimeFigureOut">
               <a:rPr lang="en-US" smtClean="0"/>
-              <a:t>11/30/15</a:t>
+              <a:t>12/1/15</a:t>
             </a:fld>
             <a:endParaRPr lang="en-US"/>
           </a:p>
@@ -997,7 +997,7 @@
           <a:p>
             <a:fld id="{6425B47B-390B-C241-A7A7-112FF814C3D3}" type="datetimeFigureOut">
               <a:rPr lang="en-US" smtClean="0"/>
-              <a:t>11/30/15</a:t>
+              <a:t>12/1/15</a:t>
             </a:fld>
             <a:endParaRPr lang="en-US"/>
           </a:p>
@@ -1167,7 +1167,7 @@
           <a:p>
             <a:fld id="{6425B47B-390B-C241-A7A7-112FF814C3D3}" type="datetimeFigureOut">
               <a:rPr lang="en-US" smtClean="0"/>
-              <a:t>11/30/15</a:t>
+              <a:t>12/1/15</a:t>
             </a:fld>
             <a:endParaRPr lang="en-US"/>
           </a:p>
@@ -1347,7 +1347,7 @@
           <a:p>
             <a:fld id="{6425B47B-390B-C241-A7A7-112FF814C3D3}" type="datetimeFigureOut">
               <a:rPr lang="en-US" smtClean="0"/>
-              <a:t>11/30/15</a:t>
+              <a:t>12/1/15</a:t>
             </a:fld>
             <a:endParaRPr lang="en-US"/>
           </a:p>
@@ -1517,7 +1517,7 @@
           <a:p>
             <a:fld id="{6425B47B-390B-C241-A7A7-112FF814C3D3}" type="datetimeFigureOut">
               <a:rPr lang="en-US" smtClean="0"/>
-              <a:t>11/30/15</a:t>
+              <a:t>12/1/15</a:t>
             </a:fld>
             <a:endParaRPr lang="en-US"/>
           </a:p>
@@ -1763,7 +1763,7 @@
           <a:p>
             <a:fld id="{6425B47B-390B-C241-A7A7-112FF814C3D3}" type="datetimeFigureOut">
               <a:rPr lang="en-US" smtClean="0"/>
-              <a:t>11/30/15</a:t>
+              <a:t>12/1/15</a:t>
             </a:fld>
             <a:endParaRPr lang="en-US"/>
           </a:p>
@@ -2051,7 +2051,7 @@
           <a:p>
             <a:fld id="{6425B47B-390B-C241-A7A7-112FF814C3D3}" type="datetimeFigureOut">
               <a:rPr lang="en-US" smtClean="0"/>
-              <a:t>11/30/15</a:t>
+              <a:t>12/1/15</a:t>
             </a:fld>
             <a:endParaRPr lang="en-US"/>
           </a:p>
@@ -2473,7 +2473,7 @@
           <a:p>
             <a:fld id="{6425B47B-390B-C241-A7A7-112FF814C3D3}" type="datetimeFigureOut">
               <a:rPr lang="en-US" smtClean="0"/>
-              <a:t>11/30/15</a:t>
+              <a:t>12/1/15</a:t>
             </a:fld>
             <a:endParaRPr lang="en-US"/>
           </a:p>
@@ -2591,7 +2591,7 @@
           <a:p>
             <a:fld id="{6425B47B-390B-C241-A7A7-112FF814C3D3}" type="datetimeFigureOut">
               <a:rPr lang="en-US" smtClean="0"/>
-              <a:t>11/30/15</a:t>
+              <a:t>12/1/15</a:t>
             </a:fld>
             <a:endParaRPr lang="en-US"/>
           </a:p>
@@ -2686,7 +2686,7 @@
           <a:p>
             <a:fld id="{6425B47B-390B-C241-A7A7-112FF814C3D3}" type="datetimeFigureOut">
               <a:rPr lang="en-US" smtClean="0"/>
-              <a:t>11/30/15</a:t>
+              <a:t>12/1/15</a:t>
             </a:fld>
             <a:endParaRPr lang="en-US"/>
           </a:p>
@@ -2963,7 +2963,7 @@
           <a:p>
             <a:fld id="{6425B47B-390B-C241-A7A7-112FF814C3D3}" type="datetimeFigureOut">
               <a:rPr lang="en-US" smtClean="0"/>
-              <a:t>11/30/15</a:t>
+              <a:t>12/1/15</a:t>
             </a:fld>
             <a:endParaRPr lang="en-US"/>
           </a:p>
@@ -3216,7 +3216,7 @@
           <a:p>
             <a:fld id="{6425B47B-390B-C241-A7A7-112FF814C3D3}" type="datetimeFigureOut">
               <a:rPr lang="en-US" smtClean="0"/>
-              <a:t>11/30/15</a:t>
+              <a:t>12/1/15</a:t>
             </a:fld>
             <a:endParaRPr lang="en-US"/>
           </a:p>
@@ -3429,7 +3429,7 @@
           <a:p>
             <a:fld id="{6425B47B-390B-C241-A7A7-112FF814C3D3}" type="datetimeFigureOut">
               <a:rPr lang="en-US" smtClean="0"/>
-              <a:t>11/30/15</a:t>
+              <a:t>12/1/15</a:t>
             </a:fld>
             <a:endParaRPr lang="en-US"/>
           </a:p>
@@ -9604,17 +9604,7 @@
                 <a:latin typeface="Consolas" panose="020B0609020204030204" pitchFamily="49" charset="0"/>
                 <a:cs typeface="Consolas" panose="020B0609020204030204" pitchFamily="49" charset="0"/>
               </a:rPr>
-              <a:t>;; </a:t>
-            </a:r>
-            <a:r>
-              <a:rPr lang="en-US" dirty="0" smtClean="0">
-                <a:solidFill>
-                  <a:srgbClr val="FF0000"/>
-                </a:solidFill>
-                <a:latin typeface="Consolas" panose="020B0609020204030204" pitchFamily="49" charset="0"/>
-                <a:cs typeface="Consolas" panose="020B0609020204030204" pitchFamily="49" charset="0"/>
-              </a:rPr>
-              <a:t>?should this be -8?</a:t>
+              <a:t>;; ?should this be -8?</a:t>
             </a:r>
             <a:endParaRPr lang="en-US" dirty="0">
               <a:solidFill>
@@ -19609,6 +19599,107 @@
               <a:t>%edi + 8</a:t>
             </a:r>
             <a:endParaRPr lang="en-US" sz="1000" dirty="0"/>
+          </a:p>
+        </p:txBody>
+      </p:sp>
+      <p:sp>
+        <p:nvSpPr>
+          <p:cNvPr id="3" name="TextBox 2"/>
+          <p:cNvSpPr txBox="1"/>
+          <p:nvPr/>
+        </p:nvSpPr>
+        <p:spPr>
+          <a:xfrm>
+            <a:off x="6037071" y="874277"/>
+            <a:ext cx="2308670" cy="646331"/>
+          </a:xfrm>
+          <a:prstGeom prst="rect">
+            <a:avLst/>
+          </a:prstGeom>
+          <a:solidFill>
+            <a:schemeClr val="accent5">
+              <a:lumMod val="20000"/>
+              <a:lumOff val="80000"/>
+            </a:schemeClr>
+          </a:solidFill>
+        </p:spPr>
+        <p:txBody>
+          <a:bodyPr wrap="none" rtlCol="0">
+            <a:spAutoFit/>
+          </a:bodyPr>
+          <a:lstStyle/>
+          <a:p>
+            <a:r>
+              <a:rPr lang="en-US" sz="1200" dirty="0" smtClean="0">
+                <a:latin typeface="Andale Mono"/>
+                <a:cs typeface="Andale Mono"/>
+              </a:rPr>
+              <a:t>%</a:t>
+            </a:r>
+            <a:r>
+              <a:rPr lang="en-US" sz="1200" dirty="0" err="1" smtClean="0">
+                <a:latin typeface="Andale Mono"/>
+                <a:cs typeface="Andale Mono"/>
+              </a:rPr>
+              <a:t>edi</a:t>
+            </a:r>
+            <a:r>
+              <a:rPr lang="en-US" sz="1200" dirty="0" smtClean="0">
+                <a:latin typeface="Andale Mono"/>
+                <a:cs typeface="Andale Mono"/>
+              </a:rPr>
+              <a:t>  current closure</a:t>
+            </a:r>
+          </a:p>
+          <a:p>
+            <a:r>
+              <a:rPr lang="en-US" sz="1200" dirty="0" smtClean="0">
+                <a:latin typeface="Andale Mono"/>
+                <a:cs typeface="Andale Mono"/>
+              </a:rPr>
+              <a:t>%</a:t>
+            </a:r>
+            <a:r>
+              <a:rPr lang="en-US" sz="1200" dirty="0" err="1" smtClean="0">
+                <a:latin typeface="Andale Mono"/>
+                <a:cs typeface="Andale Mono"/>
+              </a:rPr>
+              <a:t>esp</a:t>
+            </a:r>
+            <a:r>
+              <a:rPr lang="en-US" sz="1200" dirty="0" smtClean="0">
+                <a:latin typeface="Andale Mono"/>
+                <a:cs typeface="Andale Mono"/>
+              </a:rPr>
+              <a:t>  stack pointer</a:t>
+            </a:r>
+          </a:p>
+          <a:p>
+            <a:r>
+              <a:rPr lang="en-US" sz="1200" dirty="0" smtClean="0">
+                <a:latin typeface="Andale Mono"/>
+                <a:cs typeface="Andale Mono"/>
+              </a:rPr>
+              <a:t>%</a:t>
+            </a:r>
+            <a:r>
+              <a:rPr lang="en-US" sz="1200" dirty="0" err="1" smtClean="0">
+                <a:latin typeface="Andale Mono"/>
+                <a:cs typeface="Andale Mono"/>
+              </a:rPr>
+              <a:t>ebp</a:t>
+            </a:r>
+            <a:r>
+              <a:rPr lang="en-US" sz="1200" dirty="0" smtClean="0">
+                <a:latin typeface="Andale Mono"/>
+                <a:cs typeface="Andale Mono"/>
+              </a:rPr>
+              <a:t>  free heap pointer</a:t>
+            </a:r>
+            <a:endParaRPr lang="en-US" sz="1200" dirty="0">
+              <a:latin typeface="Andale Mono"/>
+              <a:cs typeface="Andale Mono"/>
+            </a:endParaRPr>
           </a:p>
         </p:txBody>
       </p:sp>

--- a/doc/Pilar.pptx
+++ b/doc/Pilar.pptx
@@ -19700,6 +19700,32 @@
               <a:latin typeface="Andale Mono"/>
               <a:cs typeface="Andale Mono"/>
             </a:endParaRPr>
+          </a:p>
+        </p:txBody>
+      </p:sp>
+      <p:sp>
+        <p:nvSpPr>
+          <p:cNvPr id="5" name="TextBox 4"/>
+          <p:cNvSpPr txBox="1"/>
+          <p:nvPr/>
+        </p:nvSpPr>
+        <p:spPr>
+          <a:xfrm>
+            <a:off x="10056267" y="852956"/>
+            <a:ext cx="184666" cy="369332"/>
+          </a:xfrm>
+          <a:prstGeom prst="rect">
+            <a:avLst/>
+          </a:prstGeom>
+          <a:noFill/>
+        </p:spPr>
+        <p:txBody>
+          <a:bodyPr wrap="none" rtlCol="0">
+            <a:spAutoFit/>
+          </a:bodyPr>
+          <a:lstStyle/>
+          <a:p>
+            <a:endParaRPr lang="en-US"/>
           </a:p>
         </p:txBody>
       </p:sp>

--- a/doc/Pilar.pptx
+++ b/doc/Pilar.pptx
@@ -212,7 +212,7 @@
           <a:p>
             <a:fld id="{5607465C-914C-044A-8711-438AB6BFCD99}" type="datetimeFigureOut">
               <a:rPr lang="en-US" smtClean="0"/>
-              <a:t>12/1/15</a:t>
+              <a:t>12/2/15</a:t>
             </a:fld>
             <a:endParaRPr lang="en-US"/>
           </a:p>
@@ -997,7 +997,7 @@
           <a:p>
             <a:fld id="{6425B47B-390B-C241-A7A7-112FF814C3D3}" type="datetimeFigureOut">
               <a:rPr lang="en-US" smtClean="0"/>
-              <a:t>12/1/15</a:t>
+              <a:t>12/2/15</a:t>
             </a:fld>
             <a:endParaRPr lang="en-US"/>
           </a:p>
@@ -1167,7 +1167,7 @@
           <a:p>
             <a:fld id="{6425B47B-390B-C241-A7A7-112FF814C3D3}" type="datetimeFigureOut">
               <a:rPr lang="en-US" smtClean="0"/>
-              <a:t>12/1/15</a:t>
+              <a:t>12/2/15</a:t>
             </a:fld>
             <a:endParaRPr lang="en-US"/>
           </a:p>
@@ -1347,7 +1347,7 @@
           <a:p>
             <a:fld id="{6425B47B-390B-C241-A7A7-112FF814C3D3}" type="datetimeFigureOut">
               <a:rPr lang="en-US" smtClean="0"/>
-              <a:t>12/1/15</a:t>
+              <a:t>12/2/15</a:t>
             </a:fld>
             <a:endParaRPr lang="en-US"/>
           </a:p>
@@ -1517,7 +1517,7 @@
           <a:p>
             <a:fld id="{6425B47B-390B-C241-A7A7-112FF814C3D3}" type="datetimeFigureOut">
               <a:rPr lang="en-US" smtClean="0"/>
-              <a:t>12/1/15</a:t>
+              <a:t>12/2/15</a:t>
             </a:fld>
             <a:endParaRPr lang="en-US"/>
           </a:p>
@@ -1763,7 +1763,7 @@
           <a:p>
             <a:fld id="{6425B47B-390B-C241-A7A7-112FF814C3D3}" type="datetimeFigureOut">
               <a:rPr lang="en-US" smtClean="0"/>
-              <a:t>12/1/15</a:t>
+              <a:t>12/2/15</a:t>
             </a:fld>
             <a:endParaRPr lang="en-US"/>
           </a:p>
@@ -2051,7 +2051,7 @@
           <a:p>
             <a:fld id="{6425B47B-390B-C241-A7A7-112FF814C3D3}" type="datetimeFigureOut">
               <a:rPr lang="en-US" smtClean="0"/>
-              <a:t>12/1/15</a:t>
+              <a:t>12/2/15</a:t>
             </a:fld>
             <a:endParaRPr lang="en-US"/>
           </a:p>
@@ -2473,7 +2473,7 @@
           <a:p>
             <a:fld id="{6425B47B-390B-C241-A7A7-112FF814C3D3}" type="datetimeFigureOut">
               <a:rPr lang="en-US" smtClean="0"/>
-              <a:t>12/1/15</a:t>
+              <a:t>12/2/15</a:t>
             </a:fld>
             <a:endParaRPr lang="en-US"/>
           </a:p>
@@ -2591,7 +2591,7 @@
           <a:p>
             <a:fld id="{6425B47B-390B-C241-A7A7-112FF814C3D3}" type="datetimeFigureOut">
               <a:rPr lang="en-US" smtClean="0"/>
-              <a:t>12/1/15</a:t>
+              <a:t>12/2/15</a:t>
             </a:fld>
             <a:endParaRPr lang="en-US"/>
           </a:p>
@@ -2686,7 +2686,7 @@
           <a:p>
             <a:fld id="{6425B47B-390B-C241-A7A7-112FF814C3D3}" type="datetimeFigureOut">
               <a:rPr lang="en-US" smtClean="0"/>
-              <a:t>12/1/15</a:t>
+              <a:t>12/2/15</a:t>
             </a:fld>
             <a:endParaRPr lang="en-US"/>
           </a:p>
@@ -2963,7 +2963,7 @@
           <a:p>
             <a:fld id="{6425B47B-390B-C241-A7A7-112FF814C3D3}" type="datetimeFigureOut">
               <a:rPr lang="en-US" smtClean="0"/>
-              <a:t>12/1/15</a:t>
+              <a:t>12/2/15</a:t>
             </a:fld>
             <a:endParaRPr lang="en-US"/>
           </a:p>
@@ -3216,7 +3216,7 @@
           <a:p>
             <a:fld id="{6425B47B-390B-C241-A7A7-112FF814C3D3}" type="datetimeFigureOut">
               <a:rPr lang="en-US" smtClean="0"/>
-              <a:t>12/1/15</a:t>
+              <a:t>12/2/15</a:t>
             </a:fld>
             <a:endParaRPr lang="en-US"/>
           </a:p>
@@ -3429,7 +3429,7 @@
           <a:p>
             <a:fld id="{6425B47B-390B-C241-A7A7-112FF814C3D3}" type="datetimeFigureOut">
               <a:rPr lang="en-US" smtClean="0"/>
-              <a:t>12/1/15</a:t>
+              <a:t>12/2/15</a:t>
             </a:fld>
             <a:endParaRPr lang="en-US"/>
           </a:p>
@@ -8290,18 +8290,18 @@
               <a:buNone/>
             </a:pPr>
             <a:r>
-              <a:rPr lang="en-US" sz="1100" dirty="0" err="1" smtClean="0">
-                <a:latin typeface="Consolas" panose="020B0609020204030204" pitchFamily="49" charset="0"/>
-                <a:cs typeface="Consolas" panose="020B0609020204030204" pitchFamily="49" charset="0"/>
-              </a:rPr>
-              <a:t>incomming</a:t>
-            </a:r>
-            <a:r>
               <a:rPr lang="en-US" sz="1100" dirty="0" smtClean="0">
                 <a:latin typeface="Consolas" panose="020B0609020204030204" pitchFamily="49" charset="0"/>
                 <a:cs typeface="Consolas" panose="020B0609020204030204" pitchFamily="49" charset="0"/>
               </a:rPr>
-              <a:t> |   arg 2    |  %esp - 12</a:t>
+              <a:t>incoming  |   </a:t>
+            </a:r>
+            <a:r>
+              <a:rPr lang="en-US" sz="1100" dirty="0" smtClean="0">
+                <a:latin typeface="Consolas" panose="020B0609020204030204" pitchFamily="49" charset="0"/>
+                <a:cs typeface="Consolas" panose="020B0609020204030204" pitchFamily="49" charset="0"/>
+              </a:rPr>
+              <a:t>arg 2    |  %esp - 12</a:t>
             </a:r>
           </a:p>
           <a:p>
@@ -19386,8 +19386,8 @@
         </p:nvSpPr>
         <p:spPr>
           <a:xfrm>
-            <a:off x="2647980" y="846410"/>
-            <a:ext cx="561998" cy="246221"/>
+            <a:off x="2515288" y="855887"/>
+            <a:ext cx="738391" cy="400110"/>
           </a:xfrm>
           <a:prstGeom prst="rect">
             <a:avLst/>
@@ -19402,8 +19402,10 @@
           <a:p>
             <a:r>
               <a:rPr lang="en-US" sz="1000" dirty="0" smtClean="0"/>
-              <a:t>closure</a:t>
-            </a:r>
+              <a:t>Closure - 2 </a:t>
+            </a:r>
+          </a:p>
+          <a:p>
             <a:endParaRPr lang="en-US" sz="1000" dirty="0"/>
           </a:p>
         </p:txBody>
@@ -19726,6 +19728,52 @@
           <a:lstStyle/>
           <a:p>
             <a:endParaRPr lang="en-US"/>
+          </a:p>
+        </p:txBody>
+      </p:sp>
+      <p:sp>
+        <p:nvSpPr>
+          <p:cNvPr id="10" name="TextBox 9"/>
+          <p:cNvSpPr txBox="1"/>
+          <p:nvPr/>
+        </p:nvSpPr>
+        <p:spPr>
+          <a:xfrm>
+            <a:off x="284079" y="1220526"/>
+            <a:ext cx="2940951" cy="600164"/>
+          </a:xfrm>
+          <a:prstGeom prst="rect">
+            <a:avLst/>
+          </a:prstGeom>
+          <a:noFill/>
+        </p:spPr>
+        <p:txBody>
+          <a:bodyPr wrap="square" rtlCol="0">
+            <a:spAutoFit/>
+          </a:bodyPr>
+          <a:lstStyle/>
+          <a:p>
+            <a:r>
+              <a:rPr lang="en-US" sz="1100" dirty="0" smtClean="0"/>
+              <a:t>The closure value saved in the stack has its tag field set so we must correct by -2 when we use this pointer.  E.g. </a:t>
+            </a:r>
+            <a:r>
+              <a:rPr lang="en-US" sz="1100" dirty="0" err="1" smtClean="0"/>
+              <a:t>jmp</a:t>
+            </a:r>
+            <a:r>
+              <a:rPr lang="en-US" sz="1100" dirty="0" smtClean="0"/>
+              <a:t> *-2(%</a:t>
+            </a:r>
+            <a:r>
+              <a:rPr lang="en-US" sz="1100" dirty="0" err="1" smtClean="0"/>
+              <a:t>esp</a:t>
+            </a:r>
+            <a:r>
+              <a:rPr lang="en-US" sz="1100" dirty="0" smtClean="0"/>
+              <a:t>)</a:t>
+            </a:r>
+            <a:endParaRPr lang="en-US" sz="1100" dirty="0"/>
           </a:p>
         </p:txBody>
       </p:sp>

--- a/doc/Pilar.pptx
+++ b/doc/Pilar.pptx
@@ -212,7 +212,7 @@
           <a:p>
             <a:fld id="{5607465C-914C-044A-8711-438AB6BFCD99}" type="datetimeFigureOut">
               <a:rPr lang="en-US" smtClean="0"/>
-              <a:t>12/2/15</a:t>
+              <a:t>12/5/15</a:t>
             </a:fld>
             <a:endParaRPr lang="en-US"/>
           </a:p>
@@ -997,7 +997,7 @@
           <a:p>
             <a:fld id="{6425B47B-390B-C241-A7A7-112FF814C3D3}" type="datetimeFigureOut">
               <a:rPr lang="en-US" smtClean="0"/>
-              <a:t>12/2/15</a:t>
+              <a:t>12/5/15</a:t>
             </a:fld>
             <a:endParaRPr lang="en-US"/>
           </a:p>
@@ -1167,7 +1167,7 @@
           <a:p>
             <a:fld id="{6425B47B-390B-C241-A7A7-112FF814C3D3}" type="datetimeFigureOut">
               <a:rPr lang="en-US" smtClean="0"/>
-              <a:t>12/2/15</a:t>
+              <a:t>12/5/15</a:t>
             </a:fld>
             <a:endParaRPr lang="en-US"/>
           </a:p>
@@ -1347,7 +1347,7 @@
           <a:p>
             <a:fld id="{6425B47B-390B-C241-A7A7-112FF814C3D3}" type="datetimeFigureOut">
               <a:rPr lang="en-US" smtClean="0"/>
-              <a:t>12/2/15</a:t>
+              <a:t>12/5/15</a:t>
             </a:fld>
             <a:endParaRPr lang="en-US"/>
           </a:p>
@@ -1517,7 +1517,7 @@
           <a:p>
             <a:fld id="{6425B47B-390B-C241-A7A7-112FF814C3D3}" type="datetimeFigureOut">
               <a:rPr lang="en-US" smtClean="0"/>
-              <a:t>12/2/15</a:t>
+              <a:t>12/5/15</a:t>
             </a:fld>
             <a:endParaRPr lang="en-US"/>
           </a:p>
@@ -1763,7 +1763,7 @@
           <a:p>
             <a:fld id="{6425B47B-390B-C241-A7A7-112FF814C3D3}" type="datetimeFigureOut">
               <a:rPr lang="en-US" smtClean="0"/>
-              <a:t>12/2/15</a:t>
+              <a:t>12/5/15</a:t>
             </a:fld>
             <a:endParaRPr lang="en-US"/>
           </a:p>
@@ -2051,7 +2051,7 @@
           <a:p>
             <a:fld id="{6425B47B-390B-C241-A7A7-112FF814C3D3}" type="datetimeFigureOut">
               <a:rPr lang="en-US" smtClean="0"/>
-              <a:t>12/2/15</a:t>
+              <a:t>12/5/15</a:t>
             </a:fld>
             <a:endParaRPr lang="en-US"/>
           </a:p>
@@ -2473,7 +2473,7 @@
           <a:p>
             <a:fld id="{6425B47B-390B-C241-A7A7-112FF814C3D3}" type="datetimeFigureOut">
               <a:rPr lang="en-US" smtClean="0"/>
-              <a:t>12/2/15</a:t>
+              <a:t>12/5/15</a:t>
             </a:fld>
             <a:endParaRPr lang="en-US"/>
           </a:p>
@@ -2591,7 +2591,7 @@
           <a:p>
             <a:fld id="{6425B47B-390B-C241-A7A7-112FF814C3D3}" type="datetimeFigureOut">
               <a:rPr lang="en-US" smtClean="0"/>
-              <a:t>12/2/15</a:t>
+              <a:t>12/5/15</a:t>
             </a:fld>
             <a:endParaRPr lang="en-US"/>
           </a:p>
@@ -2686,7 +2686,7 @@
           <a:p>
             <a:fld id="{6425B47B-390B-C241-A7A7-112FF814C3D3}" type="datetimeFigureOut">
               <a:rPr lang="en-US" smtClean="0"/>
-              <a:t>12/2/15</a:t>
+              <a:t>12/5/15</a:t>
             </a:fld>
             <a:endParaRPr lang="en-US"/>
           </a:p>
@@ -2963,7 +2963,7 @@
           <a:p>
             <a:fld id="{6425B47B-390B-C241-A7A7-112FF814C3D3}" type="datetimeFigureOut">
               <a:rPr lang="en-US" smtClean="0"/>
-              <a:t>12/2/15</a:t>
+              <a:t>12/5/15</a:t>
             </a:fld>
             <a:endParaRPr lang="en-US"/>
           </a:p>
@@ -3216,7 +3216,7 @@
           <a:p>
             <a:fld id="{6425B47B-390B-C241-A7A7-112FF814C3D3}" type="datetimeFigureOut">
               <a:rPr lang="en-US" smtClean="0"/>
-              <a:t>12/2/15</a:t>
+              <a:t>12/5/15</a:t>
             </a:fld>
             <a:endParaRPr lang="en-US"/>
           </a:p>
@@ -3429,7 +3429,7 @@
           <a:p>
             <a:fld id="{6425B47B-390B-C241-A7A7-112FF814C3D3}" type="datetimeFigureOut">
               <a:rPr lang="en-US" smtClean="0"/>
-              <a:t>12/2/15</a:t>
+              <a:t>12/5/15</a:t>
             </a:fld>
             <a:endParaRPr lang="en-US"/>
           </a:p>
@@ -8294,14 +8294,7 @@
                 <a:latin typeface="Consolas" panose="020B0609020204030204" pitchFamily="49" charset="0"/>
                 <a:cs typeface="Consolas" panose="020B0609020204030204" pitchFamily="49" charset="0"/>
               </a:rPr>
-              <a:t>incoming  |   </a:t>
-            </a:r>
-            <a:r>
-              <a:rPr lang="en-US" sz="1100" dirty="0" smtClean="0">
-                <a:latin typeface="Consolas" panose="020B0609020204030204" pitchFamily="49" charset="0"/>
-                <a:cs typeface="Consolas" panose="020B0609020204030204" pitchFamily="49" charset="0"/>
-              </a:rPr>
-              <a:t>arg 2    |  %esp - 12</a:t>
+              <a:t>incoming  |   arg 2    |  %esp - 12</a:t>
             </a:r>
           </a:p>
           <a:p>
@@ -8340,7 +8333,21 @@
                 <a:latin typeface="Consolas" panose="020B0609020204030204" pitchFamily="49" charset="0"/>
                 <a:cs typeface="Consolas" panose="020B0609020204030204" pitchFamily="49" charset="0"/>
               </a:rPr>
-              <a:t>   +--   +------------+</a:t>
+              <a:t>   +--   </a:t>
+            </a:r>
+            <a:r>
+              <a:rPr lang="en-US" sz="1100" dirty="0" smtClean="0">
+                <a:latin typeface="Consolas" panose="020B0609020204030204" pitchFamily="49" charset="0"/>
+                <a:cs typeface="Consolas" panose="020B0609020204030204" pitchFamily="49" charset="0"/>
+              </a:rPr>
+              <a:t> +</a:t>
+            </a:r>
+            <a:r>
+              <a:rPr lang="en-US" sz="1100" dirty="0" smtClean="0">
+                <a:latin typeface="Consolas" panose="020B0609020204030204" pitchFamily="49" charset="0"/>
+                <a:cs typeface="Consolas" panose="020B0609020204030204" pitchFamily="49" charset="0"/>
+              </a:rPr>
+              <a:t>------------+</a:t>
             </a:r>
           </a:p>
           <a:p>
@@ -8578,7 +8585,35 @@
                 <a:latin typeface="Consolas" panose="020B0609020204030204" pitchFamily="49" charset="0"/>
                 <a:cs typeface="Consolas" panose="020B0609020204030204" pitchFamily="49" charset="0"/>
               </a:rPr>
-              <a:t>       (A)  Caller’s View         </a:t>
+              <a:t>       </a:t>
+            </a:r>
+            <a:r>
+              <a:rPr lang="en-US" sz="1100" dirty="0" smtClean="0">
+                <a:latin typeface="Consolas" panose="020B0609020204030204" pitchFamily="49" charset="0"/>
+                <a:cs typeface="Consolas" panose="020B0609020204030204" pitchFamily="49" charset="0"/>
+              </a:rPr>
+              <a:t>(B)  </a:t>
+            </a:r>
+            <a:r>
+              <a:rPr lang="en-US" sz="1100" dirty="0" err="1" smtClean="0">
+                <a:latin typeface="Consolas" panose="020B0609020204030204" pitchFamily="49" charset="0"/>
+                <a:cs typeface="Consolas" panose="020B0609020204030204" pitchFamily="49" charset="0"/>
+              </a:rPr>
+              <a:t>Callee’s</a:t>
+            </a:r>
+            <a:r>
+              <a:rPr lang="en-US" sz="1100" dirty="0" smtClean="0">
+                <a:latin typeface="Consolas" panose="020B0609020204030204" pitchFamily="49" charset="0"/>
+                <a:cs typeface="Consolas" panose="020B0609020204030204" pitchFamily="49" charset="0"/>
+              </a:rPr>
+              <a:t> </a:t>
+            </a:r>
+            <a:r>
+              <a:rPr lang="en-US" sz="1100" dirty="0" smtClean="0">
+                <a:latin typeface="Consolas" panose="020B0609020204030204" pitchFamily="49" charset="0"/>
+                <a:cs typeface="Consolas" panose="020B0609020204030204" pitchFamily="49" charset="0"/>
+              </a:rPr>
+              <a:t>View         </a:t>
             </a:r>
             <a:endParaRPr lang="en-US" sz="1100" dirty="0">
               <a:latin typeface="Consolas" panose="020B0609020204030204" pitchFamily="49" charset="0"/>
